--- a/ProjetoFinal/Projeto Final_REV01.pptx
+++ b/ProjetoFinal/Projeto Final_REV01.pptx
@@ -5,9 +5,10 @@
     <p:sldMasterId id="2147483648" r:id="rId1"/>
   </p:sldMasterIdLst>
   <p:sldIdLst>
-    <p:sldId id="256" r:id="rId2"/>
-    <p:sldId id="258" r:id="rId3"/>
-    <p:sldId id="257" r:id="rId4"/>
+    <p:sldId id="259" r:id="rId2"/>
+    <p:sldId id="256" r:id="rId3"/>
+    <p:sldId id="258" r:id="rId4"/>
+    <p:sldId id="257" r:id="rId5"/>
   </p:sldIdLst>
   <p:sldSz cx="12192000" cy="6858000"/>
   <p:notesSz cx="6858000" cy="9144000"/>
@@ -317,7 +318,7 @@
           <a:p>
             <a:fld id="{A46FA422-EB7D-4FEF-8E80-430084F663C2}" type="slidenum">
               <a:rPr lang="en-US" smtClean="0"/>
-              <a:t>‹nº›</a:t>
+              <a:t>‹#›</a:t>
             </a:fld>
             <a:endParaRPr lang="en-US"/>
           </a:p>
@@ -517,7 +518,7 @@
           <a:p>
             <a:fld id="{A46FA422-EB7D-4FEF-8E80-430084F663C2}" type="slidenum">
               <a:rPr lang="en-US" smtClean="0"/>
-              <a:t>‹nº›</a:t>
+              <a:t>‹#›</a:t>
             </a:fld>
             <a:endParaRPr lang="en-US"/>
           </a:p>
@@ -727,7 +728,7 @@
           <a:p>
             <a:fld id="{A46FA422-EB7D-4FEF-8E80-430084F663C2}" type="slidenum">
               <a:rPr lang="en-US" smtClean="0"/>
-              <a:t>‹nº›</a:t>
+              <a:t>‹#›</a:t>
             </a:fld>
             <a:endParaRPr lang="en-US"/>
           </a:p>
@@ -927,7 +928,7 @@
           <a:p>
             <a:fld id="{A46FA422-EB7D-4FEF-8E80-430084F663C2}" type="slidenum">
               <a:rPr lang="en-US" smtClean="0"/>
-              <a:t>‹nº›</a:t>
+              <a:t>‹#›</a:t>
             </a:fld>
             <a:endParaRPr lang="en-US"/>
           </a:p>
@@ -1203,7 +1204,7 @@
           <a:p>
             <a:fld id="{A46FA422-EB7D-4FEF-8E80-430084F663C2}" type="slidenum">
               <a:rPr lang="en-US" smtClean="0"/>
-              <a:t>‹nº›</a:t>
+              <a:t>‹#›</a:t>
             </a:fld>
             <a:endParaRPr lang="en-US"/>
           </a:p>
@@ -1471,7 +1472,7 @@
           <a:p>
             <a:fld id="{A46FA422-EB7D-4FEF-8E80-430084F663C2}" type="slidenum">
               <a:rPr lang="en-US" smtClean="0"/>
-              <a:t>‹nº›</a:t>
+              <a:t>‹#›</a:t>
             </a:fld>
             <a:endParaRPr lang="en-US"/>
           </a:p>
@@ -1886,7 +1887,7 @@
           <a:p>
             <a:fld id="{A46FA422-EB7D-4FEF-8E80-430084F663C2}" type="slidenum">
               <a:rPr lang="en-US" smtClean="0"/>
-              <a:t>‹nº›</a:t>
+              <a:t>‹#›</a:t>
             </a:fld>
             <a:endParaRPr lang="en-US"/>
           </a:p>
@@ -2028,7 +2029,7 @@
           <a:p>
             <a:fld id="{A46FA422-EB7D-4FEF-8E80-430084F663C2}" type="slidenum">
               <a:rPr lang="en-US" smtClean="0"/>
-              <a:t>‹nº›</a:t>
+              <a:t>‹#›</a:t>
             </a:fld>
             <a:endParaRPr lang="en-US"/>
           </a:p>
@@ -2141,7 +2142,7 @@
           <a:p>
             <a:fld id="{A46FA422-EB7D-4FEF-8E80-430084F663C2}" type="slidenum">
               <a:rPr lang="en-US" smtClean="0"/>
-              <a:t>‹nº›</a:t>
+              <a:t>‹#›</a:t>
             </a:fld>
             <a:endParaRPr lang="en-US"/>
           </a:p>
@@ -2454,7 +2455,7 @@
           <a:p>
             <a:fld id="{A46FA422-EB7D-4FEF-8E80-430084F663C2}" type="slidenum">
               <a:rPr lang="en-US" smtClean="0"/>
-              <a:t>‹nº›</a:t>
+              <a:t>‹#›</a:t>
             </a:fld>
             <a:endParaRPr lang="en-US"/>
           </a:p>
@@ -2743,7 +2744,7 @@
           <a:p>
             <a:fld id="{A46FA422-EB7D-4FEF-8E80-430084F663C2}" type="slidenum">
               <a:rPr lang="en-US" smtClean="0"/>
-              <a:t>‹nº›</a:t>
+              <a:t>‹#›</a:t>
             </a:fld>
             <a:endParaRPr lang="en-US"/>
           </a:p>
@@ -3022,7 +3023,7 @@
           <a:p>
             <a:fld id="{A46FA422-EB7D-4FEF-8E80-430084F663C2}" type="slidenum">
               <a:rPr lang="en-US" smtClean="0"/>
-              <a:t>‹nº›</a:t>
+              <a:t>‹#›</a:t>
             </a:fld>
             <a:endParaRPr lang="en-US"/>
           </a:p>
@@ -3351,10 +3352,97 @@
       </p:grpSpPr>
       <p:sp>
         <p:nvSpPr>
-          <p:cNvPr id="5" name="CaixaDeTexto 4">
-            <a:extLst>
-              <a:ext uri="{FF2B5EF4-FFF2-40B4-BE49-F238E27FC236}">
-                <a16:creationId xmlns:a16="http://schemas.microsoft.com/office/drawing/2014/main" id="{00E4B316-B9EE-2466-A9FC-09FA1DCBA3D6}"/>
+          <p:cNvPr id="2" name="Title 1">
+            <a:extLst>
+              <a:ext uri="{FF2B5EF4-FFF2-40B4-BE49-F238E27FC236}">
+                <a16:creationId xmlns:a16="http://schemas.microsoft.com/office/drawing/2014/main" id="{1598E729-8C58-CC1E-2B96-566C8BBBA3C9}"/>
+              </a:ext>
+            </a:extLst>
+          </p:cNvPr>
+          <p:cNvSpPr>
+            <a:spLocks noGrp="1"/>
+          </p:cNvSpPr>
+          <p:nvPr>
+            <p:ph type="title"/>
+          </p:nvPr>
+        </p:nvSpPr>
+        <p:spPr>
+          <a:xfrm>
+            <a:off x="551283" y="5248684"/>
+            <a:ext cx="5544717" cy="1015806"/>
+          </a:xfrm>
+        </p:spPr>
+        <p:txBody>
+          <a:bodyPr/>
+          <a:lstStyle/>
+          <a:p>
+            <a:r>
+              <a:rPr lang="pt-BR" dirty="0"/>
+              <a:t>Projeto Final – MC322</a:t>
+            </a:r>
+          </a:p>
+        </p:txBody>
+      </p:sp>
+      <p:sp>
+        <p:nvSpPr>
+          <p:cNvPr id="5" name="Rectangle 4">
+            <a:extLst>
+              <a:ext uri="{FF2B5EF4-FFF2-40B4-BE49-F238E27FC236}">
+                <a16:creationId xmlns:a16="http://schemas.microsoft.com/office/drawing/2014/main" id="{04B940CC-9557-F492-25E1-EE3957C8FC21}"/>
+              </a:ext>
+            </a:extLst>
+          </p:cNvPr>
+          <p:cNvSpPr/>
+          <p:nvPr/>
+        </p:nvSpPr>
+        <p:spPr>
+          <a:xfrm>
+            <a:off x="846141" y="318872"/>
+            <a:ext cx="10107832" cy="923330"/>
+          </a:xfrm>
+          <a:prstGeom prst="rect">
+            <a:avLst/>
+          </a:prstGeom>
+          <a:noFill/>
+        </p:spPr>
+        <p:txBody>
+          <a:bodyPr wrap="none" lIns="91440" tIns="45720" rIns="91440" bIns="45720">
+            <a:spAutoFit/>
+          </a:bodyPr>
+          <a:lstStyle/>
+          <a:p>
+            <a:pPr algn="ctr"/>
+            <a:r>
+              <a:rPr lang="pt-BR" sz="5400" b="1" dirty="0">
+                <a:ln w="9525">
+                  <a:solidFill>
+                    <a:schemeClr val="bg1"/>
+                  </a:solidFill>
+                  <a:prstDash val="solid"/>
+                </a:ln>
+                <a:solidFill>
+                  <a:schemeClr val="accent5"/>
+                </a:solidFill>
+                <a:effectLst>
+                  <a:outerShdw blurRad="12700" dist="38100" dir="2700000" algn="tl" rotWithShape="0">
+                    <a:schemeClr val="accent5">
+                      <a:lumMod val="60000"/>
+                      <a:lumOff val="40000"/>
+                    </a:schemeClr>
+                  </a:outerShdw>
+                </a:effectLst>
+              </a:rPr>
+              <a:t>Programação Orientada a Objetos</a:t>
+            </a:r>
+          </a:p>
+        </p:txBody>
+      </p:sp>
+      <p:sp>
+        <p:nvSpPr>
+          <p:cNvPr id="6" name="TextBox 5">
+            <a:extLst>
+              <a:ext uri="{FF2B5EF4-FFF2-40B4-BE49-F238E27FC236}">
+                <a16:creationId xmlns:a16="http://schemas.microsoft.com/office/drawing/2014/main" id="{5D2D86D8-0C4C-B6EC-1724-8CEAC4C4C167}"/>
               </a:ext>
             </a:extLst>
           </p:cNvPr>
@@ -3363,8 +3451,8 @@
         </p:nvSpPr>
         <p:spPr>
           <a:xfrm>
-            <a:off x="3412435" y="476646"/>
-            <a:ext cx="5367130" cy="646331"/>
+            <a:off x="7514252" y="5294922"/>
+            <a:ext cx="3803780" cy="923330"/>
           </a:xfrm>
           <a:prstGeom prst="rect">
             <a:avLst/>
@@ -3377,31 +3465,42 @@
           </a:bodyPr>
           <a:lstStyle/>
           <a:p>
-            <a:pPr algn="ctr"/>
             <a:r>
               <a:rPr lang="pt-BR" dirty="0"/>
-              <a:t>APLICATIVO PARA CONTROLE NA MANUTENÇÃO DE VEÍCULOS</a:t>
-            </a:r>
-            <a:endParaRPr lang="en-US" dirty="0"/>
+              <a:t>Guilherme A V Palma  	173610</a:t>
+            </a:r>
+            <a:br>
+              <a:rPr lang="pt-BR" dirty="0"/>
+            </a:br>
+            <a:r>
+              <a:rPr lang="pt-BR" dirty="0"/>
+              <a:t>Lawrence Melo 		223480</a:t>
+            </a:r>
+          </a:p>
+          <a:p>
+            <a:r>
+              <a:rPr lang="pt-BR" dirty="0"/>
+              <a:t>Leonardo Yonamine 	220200</a:t>
+            </a:r>
           </a:p>
         </p:txBody>
       </p:sp>
       <p:sp>
         <p:nvSpPr>
-          <p:cNvPr id="6" name="CaixaDeTexto 5">
-            <a:extLst>
-              <a:ext uri="{FF2B5EF4-FFF2-40B4-BE49-F238E27FC236}">
-                <a16:creationId xmlns:a16="http://schemas.microsoft.com/office/drawing/2014/main" id="{665A766F-BB15-5B35-FEF7-8B74B93E1364}"/>
-              </a:ext>
-            </a:extLst>
-          </p:cNvPr>
-          <p:cNvSpPr txBox="1"/>
+          <p:cNvPr id="8" name="Rectangle 7">
+            <a:extLst>
+              <a:ext uri="{FF2B5EF4-FFF2-40B4-BE49-F238E27FC236}">
+                <a16:creationId xmlns:a16="http://schemas.microsoft.com/office/drawing/2014/main" id="{1794DA05-A61F-81FE-7084-331563AC36EC}"/>
+              </a:ext>
+            </a:extLst>
+          </p:cNvPr>
+          <p:cNvSpPr/>
           <p:nvPr/>
         </p:nvSpPr>
         <p:spPr>
           <a:xfrm>
-            <a:off x="569843" y="1122977"/>
-            <a:ext cx="5367130" cy="6186309"/>
+            <a:off x="551283" y="2621285"/>
+            <a:ext cx="10955884" cy="923330"/>
           </a:xfrm>
           <a:prstGeom prst="rect">
             <a:avLst/>
@@ -3409,101 +3508,94 @@
           <a:noFill/>
         </p:spPr>
         <p:txBody>
-          <a:bodyPr wrap="square" rtlCol="0">
+          <a:bodyPr wrap="none" lIns="91440" tIns="45720" rIns="91440" bIns="45720">
             <a:spAutoFit/>
           </a:bodyPr>
           <a:lstStyle/>
           <a:p>
-            <a:r>
-              <a:rPr lang="pt-BR" dirty="0"/>
-              <a:t>RESUMO:</a:t>
-            </a:r>
-          </a:p>
-          <a:p>
-            <a:endParaRPr lang="pt-BR" dirty="0"/>
-          </a:p>
-          <a:p>
-            <a:pPr marL="285750" indent="-285750">
-              <a:buFont typeface="Arial" panose="020B0604020202020204" pitchFamily="34" charset="0"/>
-              <a:buChar char="•"/>
-            </a:pPr>
-            <a:r>
-              <a:rPr lang="pt-BR" dirty="0"/>
-              <a:t>Aplicativo desenvolvido para auxiliar a controlar as manutenções corretivas e preventivas de um automóvel.  A partir deste sistema, é possível consultar o histórico de manutenção de peças, indiciando quais peças foram trocadas, quais oficinas foram utilizadas, a data da troca, o valor das peças e a quilometragem do carro. Além disso, o aplicativo também ajuda para consultar outras informações relevantes, como por exemplo a última troca de óleo, quais filtros foram trocados, o modelo do óleo utilizado e a quilometragem do veículo na troca. Outra informação que o aplicativo auxilia é no pagamento de impostos, tais quais IPVA e Licenciamento, indicando os valores pagos e suas respectivas datas. Também é possível realizar um histórico da troca de pneus, indicando valores, locais da troca e a posição do pneu trocados (se é traseiro ou dianteiro). </a:t>
-            </a:r>
-          </a:p>
-          <a:p>
-            <a:pPr marL="285750" indent="-285750">
-              <a:buFont typeface="Arial" panose="020B0604020202020204" pitchFamily="34" charset="0"/>
-              <a:buChar char="•"/>
-            </a:pPr>
-            <a:endParaRPr lang="pt-BR" dirty="0"/>
-          </a:p>
-          <a:p>
-            <a:pPr marL="285750" indent="-285750">
-              <a:buFont typeface="Arial" panose="020B0604020202020204" pitchFamily="34" charset="0"/>
-              <a:buChar char="•"/>
-            </a:pPr>
-            <a:endParaRPr lang="pt-BR" dirty="0"/>
-          </a:p>
-        </p:txBody>
-      </p:sp>
-      <p:sp>
-        <p:nvSpPr>
-          <p:cNvPr id="3" name="CaixaDeTexto 2">
-            <a:extLst>
-              <a:ext uri="{FF2B5EF4-FFF2-40B4-BE49-F238E27FC236}">
-                <a16:creationId xmlns:a16="http://schemas.microsoft.com/office/drawing/2014/main" id="{E994D411-AC8B-1D51-9F6E-DFCC0D962A19}"/>
-              </a:ext>
-            </a:extLst>
-          </p:cNvPr>
-          <p:cNvSpPr txBox="1"/>
-          <p:nvPr/>
-        </p:nvSpPr>
-        <p:spPr>
-          <a:xfrm>
-            <a:off x="6698973" y="1413228"/>
-            <a:ext cx="5367130" cy="3139321"/>
-          </a:xfrm>
-          <a:prstGeom prst="rect">
-            <a:avLst/>
-          </a:prstGeom>
-          <a:noFill/>
-        </p:spPr>
-        <p:txBody>
-          <a:bodyPr wrap="square" rtlCol="0">
-            <a:spAutoFit/>
-          </a:bodyPr>
-          <a:lstStyle/>
-          <a:p>
-            <a:endParaRPr lang="pt-BR" dirty="0"/>
-          </a:p>
-          <a:p>
-            <a:pPr marL="285750" indent="-285750">
-              <a:buFont typeface="Arial" panose="020B0604020202020204" pitchFamily="34" charset="0"/>
-              <a:buChar char="•"/>
-            </a:pPr>
-            <a:r>
-              <a:rPr lang="pt-BR" dirty="0"/>
-              <a:t>Também consegue fornecer informações relevantes, como um somatório do valor total gasto com o veículo. Por fim, a partir das peças já cadastradas, o aplicativo é capaz de indicar quando deverá ser feita a nova manutenção de determinada peça, pneu ou até mesmo, troca de óleo. </a:t>
-            </a:r>
-          </a:p>
-          <a:p>
-            <a:pPr marL="285750" indent="-285750">
-              <a:buFont typeface="Arial" panose="020B0604020202020204" pitchFamily="34" charset="0"/>
-              <a:buChar char="•"/>
-            </a:pPr>
-            <a:r>
-              <a:rPr lang="pt-BR" dirty="0"/>
-              <a:t>Dentro do aplicativo é possível adicionar uma frota, o que possibilita que tanto empresas quanto pessoas físicas possam utiliza-lo para controle de manutenção de automóveis </a:t>
-            </a:r>
+            <a:pPr algn="ctr"/>
+            <a:r>
+              <a:rPr lang="en-US" sz="5400" dirty="0" err="1">
+                <a:ln w="0"/>
+                <a:effectLst>
+                  <a:outerShdw blurRad="38100" dist="19050" dir="2700000" algn="tl" rotWithShape="0">
+                    <a:schemeClr val="dk1">
+                      <a:alpha val="40000"/>
+                    </a:schemeClr>
+                  </a:outerShdw>
+                </a:effectLst>
+              </a:rPr>
+              <a:t>Controle</a:t>
+            </a:r>
+            <a:r>
+              <a:rPr lang="en-US" sz="5400" dirty="0">
+                <a:ln w="0"/>
+                <a:effectLst>
+                  <a:outerShdw blurRad="38100" dist="19050" dir="2700000" algn="tl" rotWithShape="0">
+                    <a:schemeClr val="dk1">
+                      <a:alpha val="40000"/>
+                    </a:schemeClr>
+                  </a:outerShdw>
+                </a:effectLst>
+              </a:rPr>
+              <a:t> De </a:t>
+            </a:r>
+            <a:r>
+              <a:rPr lang="en-US" sz="5400" dirty="0" err="1">
+                <a:ln w="0"/>
+                <a:effectLst>
+                  <a:outerShdw blurRad="38100" dist="19050" dir="2700000" algn="tl" rotWithShape="0">
+                    <a:schemeClr val="dk1">
+                      <a:alpha val="40000"/>
+                    </a:schemeClr>
+                  </a:outerShdw>
+                </a:effectLst>
+              </a:rPr>
+              <a:t>Manutenção</a:t>
+            </a:r>
+            <a:r>
+              <a:rPr lang="en-US" sz="5400" dirty="0">
+                <a:ln w="0"/>
+                <a:effectLst>
+                  <a:outerShdw blurRad="38100" dist="19050" dir="2700000" algn="tl" rotWithShape="0">
+                    <a:schemeClr val="dk1">
+                      <a:alpha val="40000"/>
+                    </a:schemeClr>
+                  </a:outerShdw>
+                </a:effectLst>
+              </a:rPr>
+              <a:t> </a:t>
+            </a:r>
+            <a:r>
+              <a:rPr lang="en-US" sz="5400" dirty="0" err="1">
+                <a:ln w="0"/>
+                <a:effectLst>
+                  <a:outerShdw blurRad="38100" dist="19050" dir="2700000" algn="tl" rotWithShape="0">
+                    <a:schemeClr val="dk1">
+                      <a:alpha val="40000"/>
+                    </a:schemeClr>
+                  </a:outerShdw>
+                </a:effectLst>
+              </a:rPr>
+              <a:t>Automotiva</a:t>
+            </a:r>
+            <a:endParaRPr lang="pt-BR" sz="5400" dirty="0">
+              <a:ln w="0"/>
+              <a:effectLst>
+                <a:outerShdw blurRad="38100" dist="19050" dir="2700000" algn="tl" rotWithShape="0">
+                  <a:schemeClr val="dk1">
+                    <a:alpha val="40000"/>
+                  </a:schemeClr>
+                </a:outerShdw>
+              </a:effectLst>
+            </a:endParaRPr>
           </a:p>
         </p:txBody>
       </p:sp>
     </p:spTree>
     <p:extLst>
       <p:ext uri="{BB962C8B-B14F-4D97-AF65-F5344CB8AC3E}">
-        <p14:creationId xmlns:p14="http://schemas.microsoft.com/office/powerpoint/2010/main" val="647839646"/>
+        <p14:creationId xmlns:p14="http://schemas.microsoft.com/office/powerpoint/2010/main" val="1923568885"/>
       </p:ext>
     </p:extLst>
   </p:cSld>
@@ -3544,6 +3636,187 @@
         </p:nvSpPr>
         <p:spPr>
           <a:xfrm>
+            <a:off x="3412435" y="476646"/>
+            <a:ext cx="5367130" cy="646331"/>
+          </a:xfrm>
+          <a:prstGeom prst="rect">
+            <a:avLst/>
+          </a:prstGeom>
+          <a:noFill/>
+        </p:spPr>
+        <p:txBody>
+          <a:bodyPr wrap="square" rtlCol="0">
+            <a:spAutoFit/>
+          </a:bodyPr>
+          <a:lstStyle/>
+          <a:p>
+            <a:pPr algn="ctr"/>
+            <a:r>
+              <a:rPr lang="pt-BR" dirty="0"/>
+              <a:t>APLICATIVO PARA CONTROLE NA MANUTENÇÃO DE VEÍCULOS</a:t>
+            </a:r>
+            <a:endParaRPr lang="en-US" dirty="0"/>
+          </a:p>
+        </p:txBody>
+      </p:sp>
+      <p:sp>
+        <p:nvSpPr>
+          <p:cNvPr id="6" name="CaixaDeTexto 5">
+            <a:extLst>
+              <a:ext uri="{FF2B5EF4-FFF2-40B4-BE49-F238E27FC236}">
+                <a16:creationId xmlns:a16="http://schemas.microsoft.com/office/drawing/2014/main" id="{665A766F-BB15-5B35-FEF7-8B74B93E1364}"/>
+              </a:ext>
+            </a:extLst>
+          </p:cNvPr>
+          <p:cNvSpPr txBox="1"/>
+          <p:nvPr/>
+        </p:nvSpPr>
+        <p:spPr>
+          <a:xfrm>
+            <a:off x="569843" y="1122977"/>
+            <a:ext cx="5367130" cy="6186309"/>
+          </a:xfrm>
+          <a:prstGeom prst="rect">
+            <a:avLst/>
+          </a:prstGeom>
+          <a:noFill/>
+        </p:spPr>
+        <p:txBody>
+          <a:bodyPr wrap="square" rtlCol="0">
+            <a:spAutoFit/>
+          </a:bodyPr>
+          <a:lstStyle/>
+          <a:p>
+            <a:r>
+              <a:rPr lang="pt-BR" dirty="0"/>
+              <a:t>RESUMO:</a:t>
+            </a:r>
+          </a:p>
+          <a:p>
+            <a:endParaRPr lang="pt-BR" dirty="0"/>
+          </a:p>
+          <a:p>
+            <a:pPr marL="285750" indent="-285750">
+              <a:buFont typeface="Arial" panose="020B0604020202020204" pitchFamily="34" charset="0"/>
+              <a:buChar char="•"/>
+            </a:pPr>
+            <a:r>
+              <a:rPr lang="pt-BR" dirty="0"/>
+              <a:t>Aplicativo desenvolvido para auxiliar a controlar as manutenções corretivas e preventivas de um automóvel.  A partir deste sistema, é possível consultar o histórico de manutenção de peças, indiciando quais peças foram trocadas, quais oficinas foram utilizadas, a data da troca, o valor das peças e a quilometragem do carro. Além disso, o aplicativo também ajuda para consultar outras informações relevantes, como por exemplo a última troca de óleo, quais filtros foram trocados, o modelo do óleo utilizado e a quilometragem do veículo na troca. Outra informação que o aplicativo auxilia é no pagamento de impostos, tais quais IPVA e Licenciamento, indicando os valores pagos e suas respectivas datas. Também é possível realizar um histórico da troca de pneus, indicando valores, locais da troca e a posição do pneu trocados (se é traseiro ou dianteiro). </a:t>
+            </a:r>
+          </a:p>
+          <a:p>
+            <a:pPr marL="285750" indent="-285750">
+              <a:buFont typeface="Arial" panose="020B0604020202020204" pitchFamily="34" charset="0"/>
+              <a:buChar char="•"/>
+            </a:pPr>
+            <a:endParaRPr lang="pt-BR" dirty="0"/>
+          </a:p>
+          <a:p>
+            <a:pPr marL="285750" indent="-285750">
+              <a:buFont typeface="Arial" panose="020B0604020202020204" pitchFamily="34" charset="0"/>
+              <a:buChar char="•"/>
+            </a:pPr>
+            <a:endParaRPr lang="pt-BR" dirty="0"/>
+          </a:p>
+        </p:txBody>
+      </p:sp>
+      <p:sp>
+        <p:nvSpPr>
+          <p:cNvPr id="3" name="CaixaDeTexto 2">
+            <a:extLst>
+              <a:ext uri="{FF2B5EF4-FFF2-40B4-BE49-F238E27FC236}">
+                <a16:creationId xmlns:a16="http://schemas.microsoft.com/office/drawing/2014/main" id="{E994D411-AC8B-1D51-9F6E-DFCC0D962A19}"/>
+              </a:ext>
+            </a:extLst>
+          </p:cNvPr>
+          <p:cNvSpPr txBox="1"/>
+          <p:nvPr/>
+        </p:nvSpPr>
+        <p:spPr>
+          <a:xfrm>
+            <a:off x="6698973" y="1413228"/>
+            <a:ext cx="5367130" cy="3139321"/>
+          </a:xfrm>
+          <a:prstGeom prst="rect">
+            <a:avLst/>
+          </a:prstGeom>
+          <a:noFill/>
+        </p:spPr>
+        <p:txBody>
+          <a:bodyPr wrap="square" rtlCol="0">
+            <a:spAutoFit/>
+          </a:bodyPr>
+          <a:lstStyle/>
+          <a:p>
+            <a:endParaRPr lang="pt-BR" dirty="0"/>
+          </a:p>
+          <a:p>
+            <a:pPr marL="285750" indent="-285750">
+              <a:buFont typeface="Arial" panose="020B0604020202020204" pitchFamily="34" charset="0"/>
+              <a:buChar char="•"/>
+            </a:pPr>
+            <a:r>
+              <a:rPr lang="pt-BR" dirty="0"/>
+              <a:t>Também consegue fornecer informações relevantes, como um somatório do valor total gasto com o veículo. Por fim, a partir das peças já cadastradas, o aplicativo é capaz de indicar quando deverá ser feita a nova manutenção de determinada peça, pneu ou até mesmo, troca de óleo. </a:t>
+            </a:r>
+          </a:p>
+          <a:p>
+            <a:pPr marL="285750" indent="-285750">
+              <a:buFont typeface="Arial" panose="020B0604020202020204" pitchFamily="34" charset="0"/>
+              <a:buChar char="•"/>
+            </a:pPr>
+            <a:r>
+              <a:rPr lang="pt-BR" dirty="0"/>
+              <a:t>Dentro do aplicativo é possível adicionar uma frota, o que possibilita que tanto empresas quanto pessoas físicas possam utiliza-lo para controle de manutenção de automóveis </a:t>
+            </a:r>
+          </a:p>
+        </p:txBody>
+      </p:sp>
+    </p:spTree>
+    <p:extLst>
+      <p:ext uri="{BB962C8B-B14F-4D97-AF65-F5344CB8AC3E}">
+        <p14:creationId xmlns:p14="http://schemas.microsoft.com/office/powerpoint/2010/main" val="647839646"/>
+      </p:ext>
+    </p:extLst>
+  </p:cSld>
+  <p:clrMapOvr>
+    <a:masterClrMapping/>
+  </p:clrMapOvr>
+</p:sld>
+</file>
+
+<file path=ppt/slides/slide3.xml><?xml version="1.0" encoding="utf-8"?>
+<p:sld xmlns:a="http://schemas.openxmlformats.org/drawingml/2006/main" xmlns:r="http://schemas.openxmlformats.org/officeDocument/2006/relationships" xmlns:p="http://schemas.openxmlformats.org/presentationml/2006/main">
+  <p:cSld>
+    <p:spTree>
+      <p:nvGrpSpPr>
+        <p:cNvPr id="1" name=""/>
+        <p:cNvGrpSpPr/>
+        <p:nvPr/>
+      </p:nvGrpSpPr>
+      <p:grpSpPr>
+        <a:xfrm>
+          <a:off x="0" y="0"/>
+          <a:ext cx="0" cy="0"/>
+          <a:chOff x="0" y="0"/>
+          <a:chExt cx="0" cy="0"/>
+        </a:xfrm>
+      </p:grpSpPr>
+      <p:sp>
+        <p:nvSpPr>
+          <p:cNvPr id="5" name="CaixaDeTexto 4">
+            <a:extLst>
+              <a:ext uri="{FF2B5EF4-FFF2-40B4-BE49-F238E27FC236}">
+                <a16:creationId xmlns:a16="http://schemas.microsoft.com/office/drawing/2014/main" id="{00E4B316-B9EE-2466-A9FC-09FA1DCBA3D6}"/>
+              </a:ext>
+            </a:extLst>
+          </p:cNvPr>
+          <p:cNvSpPr txBox="1"/>
+          <p:nvPr/>
+        </p:nvSpPr>
+        <p:spPr>
+          <a:xfrm>
             <a:off x="3412435" y="303071"/>
             <a:ext cx="4737652" cy="646331"/>
           </a:xfrm>
@@ -3848,7 +4121,7 @@
 </p:sld>
 </file>
 
-<file path=ppt/slides/slide3.xml><?xml version="1.0" encoding="utf-8"?>
+<file path=ppt/slides/slide4.xml><?xml version="1.0" encoding="utf-8"?>
 <p:sld xmlns:a="http://schemas.openxmlformats.org/drawingml/2006/main" xmlns:r="http://schemas.openxmlformats.org/officeDocument/2006/relationships" xmlns:p="http://schemas.openxmlformats.org/presentationml/2006/main">
   <p:cSld>
     <p:spTree>
